--- a/Tutorial_9/Prelecture 9 - MLM script and slides.pptx
+++ b/Tutorial_9/Prelecture 9 - MLM script and slides.pptx
@@ -5,10 +5,10 @@
     <p:sldMasterId id="2147483757" r:id="rId1"/>
   </p:sldMasterIdLst>
   <p:notesMasterIdLst>
-    <p:notesMasterId r:id="rId14"/>
+    <p:notesMasterId r:id="rId15"/>
   </p:notesMasterIdLst>
   <p:handoutMasterIdLst>
-    <p:handoutMasterId r:id="rId15"/>
+    <p:handoutMasterId r:id="rId16"/>
   </p:handoutMasterIdLst>
   <p:sldIdLst>
     <p:sldId id="256" r:id="rId2"/>
@@ -23,6 +23,7 @@
     <p:sldId id="935" r:id="rId11"/>
     <p:sldId id="936" r:id="rId12"/>
     <p:sldId id="937" r:id="rId13"/>
+    <p:sldId id="938" r:id="rId14"/>
   </p:sldIdLst>
   <p:sldSz cx="9144000" cy="6858000" type="screen4x3"/>
   <p:notesSz cx="10234613" cy="7099300"/>
@@ -223,7 +224,7 @@
             <a:fld id="{95179DB8-D5F7-4303-87CD-3A072F932432}" type="datetimeFigureOut">
               <a:rPr lang="en-AU" smtClean="0"/>
               <a:pPr/>
-              <a:t>2019/02/01</a:t>
+              <a:t>2019/02/06</a:t>
             </a:fld>
             <a:endParaRPr lang="en-AU"/>
           </a:p>
@@ -390,7 +391,7 @@
             <a:fld id="{BD8EFA75-5CAC-4D35-B09D-849624DF8A55}" type="datetimeFigureOut">
               <a:rPr lang="en-AU" smtClean="0"/>
               <a:pPr/>
-              <a:t>2019/02/01</a:t>
+              <a:t>2019/02/06</a:t>
             </a:fld>
             <a:endParaRPr lang="en-AU"/>
           </a:p>
@@ -815,6 +816,13 @@
             </a:pPr>
             <a:r>
               <a:rPr lang="en-AU" dirty="0"/>
+              <a:t>The second model we’ll be building is  a random intercepts model. </a:t>
+            </a:r>
+            <a:br>
+              <a:rPr lang="en-AU" dirty="0"/>
+            </a:br>
+            <a:r>
+              <a:rPr lang="en-AU" dirty="0"/>
               <a:t>A random intercepts models assumes the slope is the same for everyone, but lets the intercepts differ by group. </a:t>
             </a:r>
             <a:br>
@@ -945,7 +953,15 @@
             </a:pPr>
             <a:r>
               <a:rPr lang="en-AU" dirty="0"/>
-              <a:t>And finally, a random slopes model allows for different intercepts and different slopes – we can see this as person I in group j’s math score = gamma 00 (and intercept for everyone) + gamma 10 times a person’s score on </a:t>
+              <a:t>And finally, we’ll build a random slopes model - a random slopes model allows for different intercepts </a:t>
+            </a:r>
+            <a:r>
+              <a:rPr lang="en-AU" i="1" dirty="0"/>
+              <a:t>and</a:t>
+            </a:r>
+            <a:r>
+              <a:rPr lang="en-AU" dirty="0"/>
+              <a:t> different slopes – we can see this as person I in group j’s math score = gamma 00 (and intercept for everyone) + gamma 10 times a person’s score on </a:t>
             </a:r>
             <a:r>
               <a:rPr lang="en-AU" dirty="0" err="1"/>
@@ -989,7 +1005,7 @@
             </a:br>
             <a:r>
               <a:rPr lang="en-AU" dirty="0"/>
-              <a:t>In week 10’s lecture we’ll even go beyond this</a:t>
+              <a:t>In week 10’s lecture we’ll even go beyond this! That‘s all!</a:t>
             </a:r>
           </a:p>
         </p:txBody>
@@ -2215,7 +2231,7 @@
           <a:p>
             <a:fld id="{B52E0DEA-7CB0-4C65-A84E-8203623FB283}" type="datetime1">
               <a:rPr lang="en-US" smtClean="0"/>
-              <a:t>2/1/2019</a:t>
+              <a:t>2/6/2019</a:t>
             </a:fld>
             <a:endParaRPr lang="en-US" dirty="0"/>
           </a:p>
@@ -2516,7 +2532,7 @@
           <a:p>
             <a:fld id="{AD661815-62F8-46D0-9194-7F3AEACC167A}" type="datetime1">
               <a:rPr lang="en-US" smtClean="0"/>
-              <a:t>2/1/2019</a:t>
+              <a:t>2/6/2019</a:t>
             </a:fld>
             <a:endParaRPr lang="en-US"/>
           </a:p>
@@ -2697,7 +2713,7 @@
           <a:p>
             <a:fld id="{1A70718F-1C02-42C0-90B5-A22FBE3E793C}" type="datetime1">
               <a:rPr lang="en-US" smtClean="0"/>
-              <a:t>2/1/2019</a:t>
+              <a:t>2/6/2019</a:t>
             </a:fld>
             <a:endParaRPr lang="en-US"/>
           </a:p>
@@ -2816,7 +2832,7 @@
           <a:p>
             <a:fld id="{85C9442A-F246-4347-994B-B6289C286D27}" type="datetime1">
               <a:rPr lang="en-US" smtClean="0"/>
-              <a:t>2/1/2019</a:t>
+              <a:t>2/6/2019</a:t>
             </a:fld>
             <a:endParaRPr lang="en-US"/>
           </a:p>
@@ -2999,7 +3015,7 @@
           <a:p>
             <a:fld id="{E56BDEEC-5215-45ED-AAE8-B3E7679AD172}" type="datetime1">
               <a:rPr lang="en-US" smtClean="0"/>
-              <a:t>2/1/2019</a:t>
+              <a:t>2/6/2019</a:t>
             </a:fld>
             <a:endParaRPr lang="en-US"/>
           </a:p>
@@ -3246,7 +3262,7 @@
           <a:p>
             <a:fld id="{144845E3-B51F-4C3B-A472-C851658CDC95}" type="datetime1">
               <a:rPr lang="en-US" smtClean="0"/>
-              <a:t>2/1/2019</a:t>
+              <a:t>2/6/2019</a:t>
             </a:fld>
             <a:endParaRPr lang="en-US"/>
           </a:p>
@@ -3535,7 +3551,7 @@
           <a:p>
             <a:fld id="{109CB072-A8C5-4159-8F66-8D35B6F9330E}" type="datetime1">
               <a:rPr lang="en-US" smtClean="0"/>
-              <a:t>2/1/2019</a:t>
+              <a:t>2/6/2019</a:t>
             </a:fld>
             <a:endParaRPr lang="en-US"/>
           </a:p>
@@ -3958,7 +3974,7 @@
           <a:p>
             <a:fld id="{3F792FE9-E000-4B00-8FD1-42C2C95A5D1F}" type="datetime1">
               <a:rPr lang="en-US" smtClean="0"/>
-              <a:t>2/1/2019</a:t>
+              <a:t>2/6/2019</a:t>
             </a:fld>
             <a:endParaRPr lang="en-US"/>
           </a:p>
@@ -4077,7 +4093,7 @@
           <a:p>
             <a:fld id="{57C88BD6-6B05-48FB-9F67-5715205968C2}" type="datetime1">
               <a:rPr lang="en-US" smtClean="0"/>
-              <a:t>2/1/2019</a:t>
+              <a:t>2/6/2019</a:t>
             </a:fld>
             <a:endParaRPr lang="en-US"/>
           </a:p>
@@ -4173,7 +4189,7 @@
           <a:p>
             <a:fld id="{5B6565A3-1834-4FB9-AA69-D165C1A7ADA1}" type="datetime1">
               <a:rPr lang="en-US" smtClean="0"/>
-              <a:t>2/1/2019</a:t>
+              <a:t>2/6/2019</a:t>
             </a:fld>
             <a:endParaRPr lang="en-US"/>
           </a:p>
@@ -4451,7 +4467,7 @@
           <a:p>
             <a:fld id="{27054484-1055-43A3-8117-2B86172C0205}" type="datetime1">
               <a:rPr lang="en-US" smtClean="0"/>
-              <a:t>2/1/2019</a:t>
+              <a:t>2/6/2019</a:t>
             </a:fld>
             <a:endParaRPr lang="en-US"/>
           </a:p>
@@ -4705,7 +4721,7 @@
           <a:p>
             <a:fld id="{50D8F7C8-8644-47E3-A416-74B6EEF5E2B7}" type="datetime1">
               <a:rPr lang="en-US" smtClean="0"/>
-              <a:t>2/1/2019</a:t>
+              <a:t>2/6/2019</a:t>
             </a:fld>
             <a:endParaRPr lang="en-US"/>
           </a:p>
@@ -4925,7 +4941,7 @@
           <a:p>
             <a:fld id="{903AE5D6-603B-482A-8565-BED9DA9A6A8F}" type="datetime1">
               <a:rPr lang="en-US" smtClean="0"/>
-              <a:t>2/1/2019</a:t>
+              <a:t>2/6/2019</a:t>
             </a:fld>
             <a:endParaRPr lang="en-US"/>
           </a:p>
@@ -6497,6 +6513,140 @@
     <p:extLst>
       <p:ext uri="{BB962C8B-B14F-4D97-AF65-F5344CB8AC3E}">
         <p14:creationId xmlns:p14="http://schemas.microsoft.com/office/powerpoint/2010/main" val="2147712972"/>
+      </p:ext>
+    </p:extLst>
+  </p:cSld>
+  <p:clrMapOvr>
+    <a:masterClrMapping/>
+  </p:clrMapOvr>
+</p:sld>
+</file>
+
+<file path=ppt/slides/slide13.xml><?xml version="1.0" encoding="utf-8"?>
+<p:sld xmlns:a="http://schemas.openxmlformats.org/drawingml/2006/main" xmlns:r="http://schemas.openxmlformats.org/officeDocument/2006/relationships" xmlns:p="http://schemas.openxmlformats.org/presentationml/2006/main">
+  <p:cSld>
+    <p:spTree>
+      <p:nvGrpSpPr>
+        <p:cNvPr id="1" name=""/>
+        <p:cNvGrpSpPr/>
+        <p:nvPr/>
+      </p:nvGrpSpPr>
+      <p:grpSpPr>
+        <a:xfrm>
+          <a:off x="0" y="0"/>
+          <a:ext cx="0" cy="0"/>
+          <a:chOff x="0" y="0"/>
+          <a:chExt cx="0" cy="0"/>
+        </a:xfrm>
+      </p:grpSpPr>
+      <p:sp>
+        <p:nvSpPr>
+          <p:cNvPr id="2" name="Title 1">
+            <a:extLst>
+              <a:ext uri="{FF2B5EF4-FFF2-40B4-BE49-F238E27FC236}">
+                <a16:creationId xmlns:a16="http://schemas.microsoft.com/office/drawing/2014/main" id="{C1C5BE44-9205-4B16-A192-3242E08DA118}"/>
+              </a:ext>
+            </a:extLst>
+          </p:cNvPr>
+          <p:cNvSpPr>
+            <a:spLocks noGrp="1"/>
+          </p:cNvSpPr>
+          <p:nvPr>
+            <p:ph type="title"/>
+          </p:nvPr>
+        </p:nvSpPr>
+        <p:spPr/>
+        <p:txBody>
+          <a:bodyPr/>
+          <a:lstStyle/>
+          <a:p>
+            <a:endParaRPr lang="en-AU"/>
+          </a:p>
+        </p:txBody>
+      </p:sp>
+      <p:sp>
+        <p:nvSpPr>
+          <p:cNvPr id="4" name="Slide Number Placeholder 3">
+            <a:extLst>
+              <a:ext uri="{FF2B5EF4-FFF2-40B4-BE49-F238E27FC236}">
+                <a16:creationId xmlns:a16="http://schemas.microsoft.com/office/drawing/2014/main" id="{508DA940-EA08-4DB8-B6DF-7BD563862DC9}"/>
+              </a:ext>
+            </a:extLst>
+          </p:cNvPr>
+          <p:cNvSpPr>
+            <a:spLocks noGrp="1"/>
+          </p:cNvSpPr>
+          <p:nvPr>
+            <p:ph type="sldNum" sz="quarter" idx="12"/>
+          </p:nvPr>
+        </p:nvSpPr>
+        <p:spPr/>
+        <p:txBody>
+          <a:bodyPr/>
+          <a:lstStyle/>
+          <a:p>
+            <a:fld id="{B6F15528-21DE-4FAA-801E-634DDDAF4B2B}" type="slidenum">
+              <a:rPr lang="en-US" smtClean="0"/>
+              <a:pPr/>
+              <a:t>13</a:t>
+            </a:fld>
+            <a:endParaRPr lang="en-US"/>
+          </a:p>
+        </p:txBody>
+      </p:sp>
+      <p:pic>
+        <p:nvPicPr>
+          <p:cNvPr id="1026" name="Picture 2" descr="https://media.giphy.com/media/xUPOqo6E1XvWXwlCyQ/giphy.gif">
+            <a:extLst>
+              <a:ext uri="{FF2B5EF4-FFF2-40B4-BE49-F238E27FC236}">
+                <a16:creationId xmlns:a16="http://schemas.microsoft.com/office/drawing/2014/main" id="{81837017-820A-4FEC-8E7F-7A6494B05CE7}"/>
+              </a:ext>
+            </a:extLst>
+          </p:cNvPr>
+          <p:cNvPicPr>
+            <a:picLocks noGrp="1" noChangeAspect="1" noChangeArrowheads="1" noCrop="1"/>
+          </p:cNvPicPr>
+          <p:nvPr>
+            <p:ph idx="1"/>
+          </p:nvPr>
+        </p:nvPicPr>
+        <p:blipFill>
+          <a:blip r:embed="rId2">
+            <a:extLst>
+              <a:ext uri="{28A0092B-C50C-407E-A947-70E740481C1C}">
+                <a14:useLocalDpi xmlns:a14="http://schemas.microsoft.com/office/drawing/2010/main" val="0"/>
+              </a:ext>
+            </a:extLst>
+          </a:blip>
+          <a:srcRect/>
+          <a:stretch>
+            <a:fillRect/>
+          </a:stretch>
+        </p:blipFill>
+        <p:spPr bwMode="auto">
+          <a:xfrm>
+            <a:off x="766938" y="1288653"/>
+            <a:ext cx="7610123" cy="4280694"/>
+          </a:xfrm>
+          <a:prstGeom prst="rect">
+            <a:avLst/>
+          </a:prstGeom>
+          <a:noFill/>
+          <a:extLst>
+            <a:ext uri="{909E8E84-426E-40DD-AFC4-6F175D3DCCD1}">
+              <a14:hiddenFill xmlns:a14="http://schemas.microsoft.com/office/drawing/2010/main">
+                <a:solidFill>
+                  <a:srgbClr val="FFFFFF"/>
+                </a:solidFill>
+              </a14:hiddenFill>
+            </a:ext>
+          </a:extLst>
+        </p:spPr>
+      </p:pic>
+    </p:spTree>
+    <p:extLst>
+      <p:ext uri="{BB962C8B-B14F-4D97-AF65-F5344CB8AC3E}">
+        <p14:creationId xmlns:p14="http://schemas.microsoft.com/office/powerpoint/2010/main" val="3776739172"/>
       </p:ext>
     </p:extLst>
   </p:cSld>
